--- a/latex/VariabilityModelinginClaferUsingSMT.pptx
+++ b/latex/VariabilityModelinginClaferUsingSMT.pptx
@@ -3709,7 +3709,11 @@
                 </a:r>
                 <a:r>
                   <a:rPr lang="en-US" sz="2800" dirty="0" smtClean="0"/>
-                  <a:t>]</a:t>
+                  <a:t>), or is </a:t>
+                </a:r>
+                <a:r>
+                  <a:rPr lang="en-US" sz="2800" i="1" dirty="0" smtClean="0"/>
+                  <a:t>off.</a:t>
                 </a:r>
                 <a:endParaRPr lang="en-US" sz="2800" dirty="0" smtClean="0"/>
               </a:p>
@@ -3717,7 +3721,7 @@
                 <a:pPr lvl="1"/>
                 <a:r>
                   <a:rPr lang="en-US" sz="2400" dirty="0" smtClean="0"/>
-                  <a:t>0 </a:t>
+                  <a:t>(0 </a:t>
                 </a:r>
                 <a14:m>
                   <m:oMath xmlns:m="http://schemas.openxmlformats.org/officeDocument/2006/math">
@@ -3755,7 +3759,15 @@
                 </a14:m>
                 <a:r>
                   <a:rPr lang="en-US" sz="2400" dirty="0" smtClean="0"/>
-                  <a:t> 2</a:t>
+                  <a:t> 1) v </a:t>
+                </a:r>
+                <a:r>
+                  <a:rPr lang="en-US" sz="2400" i="1" dirty="0" err="1" smtClean="0"/>
+                  <a:t>isOff</a:t>
+                </a:r>
+                <a:r>
+                  <a:rPr lang="en-US" sz="2400" dirty="0" smtClean="0"/>
+                  <a:t>(appCost__0)</a:t>
                 </a:r>
               </a:p>
               <a:p>
@@ -3807,12 +3819,8 @@
               <a:p>
                 <a:pPr lvl="1"/>
                 <a:r>
-                  <a:rPr lang="en-US" sz="2400" i="1" dirty="0"/>
-                  <a:t>o</a:t>
-                </a:r>
-                <a:r>
-                  <a:rPr lang="en-US" sz="2400" i="1" dirty="0" smtClean="0"/>
-                  <a:t>ff</a:t>
+                  <a:rPr lang="en-US" sz="2400" i="1" dirty="0" err="1" smtClean="0"/>
+                  <a:t>isOff</a:t>
                 </a:r>
                 <a:r>
                   <a:rPr lang="en-US" sz="2400" dirty="0" smtClean="0"/>
@@ -4021,7 +4029,7 @@
           <a:p>
             <a:r>
               <a:rPr lang="en-US" dirty="0" smtClean="0"/>
-              <a:t>Other Constraints</a:t>
+              <a:t>Constraints</a:t>
             </a:r>
             <a:endParaRPr lang="en-US" dirty="0"/>
           </a:p>
@@ -4039,8 +4047,32 @@
         </p:nvSpPr>
         <p:spPr/>
         <p:txBody>
-          <a:bodyPr/>
+          <a:bodyPr>
+            <a:normAutofit fontScale="85000" lnSpcReduction="20000"/>
+          </a:bodyPr>
           <a:lstStyle/>
+          <a:p>
+            <a:r>
+              <a:rPr lang="en-US" dirty="0" smtClean="0"/>
+              <a:t>Hierarchy – “No child can exist without its parent.”</a:t>
+            </a:r>
+          </a:p>
+          <a:p>
+            <a:pPr lvl="1"/>
+            <a:r>
+              <a:rPr lang="en-US" dirty="0" smtClean="0"/>
+              <a:t>Cardinality Constraints</a:t>
+            </a:r>
+          </a:p>
+          <a:p>
+            <a:pPr marL="0" indent="0">
+              <a:buNone/>
+            </a:pPr>
+            <a:r>
+              <a:rPr lang="en-US" dirty="0" smtClean="0"/>
+              <a:t>	</a:t>
+            </a:r>
+          </a:p>
           <a:p>
             <a:r>
               <a:rPr lang="en-US" dirty="0" smtClean="0"/>
@@ -4266,7 +4298,6 @@
               <a:rPr lang="en-US" dirty="0"/>
               <a:t>Converting to Z3-Str Format</a:t>
             </a:r>
-            <a:endParaRPr lang="en-US" dirty="0"/>
           </a:p>
         </p:txBody>
       </p:sp>
@@ -4279,7 +4310,7 @@
         <p:spPr>
           <a:xfrm>
             <a:off x="179231" y="1522883"/>
-            <a:ext cx="2764665" cy="2031325"/>
+            <a:ext cx="2764665" cy="1477328"/>
           </a:xfrm>
           <a:prstGeom prst="rect">
             <a:avLst/>
@@ -4342,30 +4373,6 @@
               <a:t>(Mid) &lt;= 1]</a:t>
             </a:r>
           </a:p>
-          <a:p>
-            <a:r>
-              <a:rPr lang="en-US" dirty="0"/>
-              <a:t> </a:t>
-            </a:r>
-            <a:r>
-              <a:rPr lang="en-US" dirty="0" smtClean="0"/>
-              <a:t>    Full: string</a:t>
-            </a:r>
-          </a:p>
-          <a:p>
-            <a:r>
-              <a:rPr lang="en-US" dirty="0" smtClean="0"/>
-              <a:t>     [Full = First</a:t>
-            </a:r>
-            <a:r>
-              <a:rPr lang="en-US" dirty="0"/>
-              <a:t> </a:t>
-            </a:r>
-            <a:r>
-              <a:rPr lang="en-US" dirty="0" smtClean="0"/>
-              <a:t>+ Mid + Last]</a:t>
-            </a:r>
-          </a:p>
         </p:txBody>
       </p:sp>
       <p:sp>
@@ -4376,8 +4383,8 @@
         </p:nvSpPr>
         <p:spPr>
           <a:xfrm>
-            <a:off x="165279" y="3810000"/>
-            <a:ext cx="2764665" cy="2031325"/>
+            <a:off x="165278" y="4334470"/>
+            <a:ext cx="2764665" cy="923330"/>
           </a:xfrm>
           <a:prstGeom prst="rect">
             <a:avLst/>
@@ -4427,31 +4434,6 @@
               <a:rPr lang="en-US" dirty="0" smtClean="0"/>
               <a:t>(Int$1)</a:t>
             </a:r>
-          </a:p>
-          <a:p>
-            <a:r>
-              <a:rPr lang="en-US" dirty="0" smtClean="0"/>
-              <a:t>----------------------------</a:t>
-            </a:r>
-          </a:p>
-          <a:p>
-            <a:r>
-              <a:rPr lang="en-US" dirty="0" smtClean="0"/>
-              <a:t>Int$3 = Full</a:t>
-            </a:r>
-          </a:p>
-          <a:p>
-            <a:r>
-              <a:rPr lang="en-US" dirty="0" smtClean="0"/>
-              <a:t>…</a:t>
-            </a:r>
-          </a:p>
-          <a:p>
-            <a:r>
-              <a:rPr lang="en-US" dirty="0" smtClean="0"/>
-              <a:t>Int$8 = Int$6 + Int$7</a:t>
-            </a:r>
-            <a:endParaRPr lang="en-US" dirty="0"/>
           </a:p>
         </p:txBody>
       </p:sp>
@@ -5046,39 +5028,26 @@
                                   </p:childTnLst>
                                 </p:cTn>
                               </p:par>
+                            </p:childTnLst>
+                          </p:cTn>
+                        </p:par>
+                      </p:childTnLst>
+                    </p:cTn>
+                  </p:par>
+                  <p:par>
+                    <p:cTn id="23" fill="hold">
+                      <p:stCondLst>
+                        <p:cond delay="indefinite"/>
+                      </p:stCondLst>
+                      <p:childTnLst>
+                        <p:par>
+                          <p:cTn id="24" fill="hold">
+                            <p:stCondLst>
+                              <p:cond delay="0"/>
+                            </p:stCondLst>
+                            <p:childTnLst>
                               <p:par>
-                                <p:cTn id="23" presetID="1" presetClass="entr" presetSubtype="0" fill="hold" nodeType="withEffect">
-                                  <p:stCondLst>
-                                    <p:cond delay="0"/>
-                                  </p:stCondLst>
-                                  <p:childTnLst>
-                                    <p:set>
-                                      <p:cBhvr>
-                                        <p:cTn id="24" dur="1" fill="hold">
-                                          <p:stCondLst>
-                                            <p:cond delay="0"/>
-                                          </p:stCondLst>
-                                        </p:cTn>
-                                        <p:tgtEl>
-                                          <p:spTgt spid="13">
-                                            <p:txEl>
-                                              <p:pRg st="4" end="4"/>
-                                            </p:txEl>
-                                          </p:spTgt>
-                                        </p:tgtEl>
-                                        <p:attrNameLst>
-                                          <p:attrName>style.visibility</p:attrName>
-                                        </p:attrNameLst>
-                                      </p:cBhvr>
-                                      <p:to>
-                                        <p:strVal val="visible"/>
-                                      </p:to>
-                                    </p:set>
-                                  </p:childTnLst>
-                                </p:cTn>
-                              </p:par>
-                              <p:par>
-                                <p:cTn id="25" presetID="1" presetClass="entr" presetSubtype="0" fill="hold" nodeType="withEffect">
+                                <p:cTn id="25" presetID="1" presetClass="entr" presetSubtype="0" fill="hold" nodeType="clickEffect">
                                   <p:stCondLst>
                                     <p:cond delay="0"/>
                                   </p:stCondLst>
@@ -5091,11 +5060,7 @@
                                           </p:stCondLst>
                                         </p:cTn>
                                         <p:tgtEl>
-                                          <p:spTgt spid="13">
-                                            <p:txEl>
-                                              <p:pRg st="3" end="3"/>
-                                            </p:txEl>
-                                          </p:spTgt>
+                                          <p:spTgt spid="15"/>
                                         </p:tgtEl>
                                         <p:attrNameLst>
                                           <p:attrName>style.visibility</p:attrName>
@@ -5122,113 +5087,6 @@
                                           </p:stCondLst>
                                         </p:cTn>
                                         <p:tgtEl>
-                                          <p:spTgt spid="13">
-                                            <p:txEl>
-                                              <p:pRg st="5" end="5"/>
-                                            </p:txEl>
-                                          </p:spTgt>
-                                        </p:tgtEl>
-                                        <p:attrNameLst>
-                                          <p:attrName>style.visibility</p:attrName>
-                                        </p:attrNameLst>
-                                      </p:cBhvr>
-                                      <p:to>
-                                        <p:strVal val="visible"/>
-                                      </p:to>
-                                    </p:set>
-                                  </p:childTnLst>
-                                </p:cTn>
-                              </p:par>
-                              <p:par>
-                                <p:cTn id="29" presetID="1" presetClass="entr" presetSubtype="0" fill="hold" nodeType="withEffect">
-                                  <p:stCondLst>
-                                    <p:cond delay="0"/>
-                                  </p:stCondLst>
-                                  <p:childTnLst>
-                                    <p:set>
-                                      <p:cBhvr>
-                                        <p:cTn id="30" dur="1" fill="hold">
-                                          <p:stCondLst>
-                                            <p:cond delay="0"/>
-                                          </p:stCondLst>
-                                        </p:cTn>
-                                        <p:tgtEl>
-                                          <p:spTgt spid="13">
-                                            <p:txEl>
-                                              <p:pRg st="6" end="6"/>
-                                            </p:txEl>
-                                          </p:spTgt>
-                                        </p:tgtEl>
-                                        <p:attrNameLst>
-                                          <p:attrName>style.visibility</p:attrName>
-                                        </p:attrNameLst>
-                                      </p:cBhvr>
-                                      <p:to>
-                                        <p:strVal val="visible"/>
-                                      </p:to>
-                                    </p:set>
-                                  </p:childTnLst>
-                                </p:cTn>
-                              </p:par>
-                            </p:childTnLst>
-                          </p:cTn>
-                        </p:par>
-                      </p:childTnLst>
-                    </p:cTn>
-                  </p:par>
-                  <p:par>
-                    <p:cTn id="31" fill="hold">
-                      <p:stCondLst>
-                        <p:cond delay="indefinite"/>
-                      </p:stCondLst>
-                      <p:childTnLst>
-                        <p:par>
-                          <p:cTn id="32" fill="hold">
-                            <p:stCondLst>
-                              <p:cond delay="0"/>
-                            </p:stCondLst>
-                            <p:childTnLst>
-                              <p:par>
-                                <p:cTn id="33" presetID="1" presetClass="entr" presetSubtype="0" fill="hold" nodeType="clickEffect">
-                                  <p:stCondLst>
-                                    <p:cond delay="0"/>
-                                  </p:stCondLst>
-                                  <p:childTnLst>
-                                    <p:set>
-                                      <p:cBhvr>
-                                        <p:cTn id="34" dur="1" fill="hold">
-                                          <p:stCondLst>
-                                            <p:cond delay="0"/>
-                                          </p:stCondLst>
-                                        </p:cTn>
-                                        <p:tgtEl>
-                                          <p:spTgt spid="15"/>
-                                        </p:tgtEl>
-                                        <p:attrNameLst>
-                                          <p:attrName>style.visibility</p:attrName>
-                                        </p:attrNameLst>
-                                      </p:cBhvr>
-                                      <p:to>
-                                        <p:strVal val="visible"/>
-                                      </p:to>
-                                    </p:set>
-                                  </p:childTnLst>
-                                </p:cTn>
-                              </p:par>
-                              <p:par>
-                                <p:cTn id="35" presetID="1" presetClass="entr" presetSubtype="0" fill="hold" nodeType="withEffect">
-                                  <p:stCondLst>
-                                    <p:cond delay="0"/>
-                                  </p:stCondLst>
-                                  <p:childTnLst>
-                                    <p:set>
-                                      <p:cBhvr>
-                                        <p:cTn id="36" dur="1" fill="hold">
-                                          <p:stCondLst>
-                                            <p:cond delay="0"/>
-                                          </p:stCondLst>
-                                        </p:cTn>
-                                        <p:tgtEl>
                                           <p:spTgt spid="17"/>
                                         </p:tgtEl>
                                         <p:attrNameLst>
@@ -5243,14 +5101,14 @@
                                 </p:cTn>
                               </p:par>
                               <p:par>
-                                <p:cTn id="37" presetID="1" presetClass="entr" presetSubtype="0" fill="hold" grpId="0" nodeType="withEffect">
+                                <p:cTn id="29" presetID="1" presetClass="entr" presetSubtype="0" fill="hold" grpId="0" nodeType="withEffect">
                                   <p:stCondLst>
                                     <p:cond delay="0"/>
                                   </p:stCondLst>
                                   <p:childTnLst>
                                     <p:set>
                                       <p:cBhvr>
-                                        <p:cTn id="38" dur="1" fill="hold">
+                                        <p:cTn id="30" dur="1" fill="hold">
                                           <p:stCondLst>
                                             <p:cond delay="0"/>
                                           </p:stCondLst>
@@ -5360,15 +5218,7 @@
           <a:p>
             <a:r>
               <a:rPr lang="en-US" dirty="0" smtClean="0"/>
-              <a:t>Evaluated </a:t>
-            </a:r>
-            <a:r>
-              <a:rPr lang="en-US" dirty="0" smtClean="0"/>
-              <a:t>various </a:t>
-            </a:r>
-            <a:r>
-              <a:rPr lang="en-US" dirty="0" smtClean="0"/>
-              <a:t>models from literature.</a:t>
+              <a:t>Evaluated various models from literature.</a:t>
             </a:r>
           </a:p>
           <a:p>
@@ -6141,7 +5991,7 @@
             </a:r>
             <a:r>
               <a:rPr lang="en-US" dirty="0" smtClean="0"/>
-              <a:t> : real</a:t>
+              <a:t> -&gt; real</a:t>
             </a:r>
           </a:p>
           <a:p>
@@ -6174,19 +6024,11 @@
             </a:r>
             <a:r>
               <a:rPr lang="en-US" dirty="0" err="1" smtClean="0"/>
-              <a:t>inst</a:t>
-            </a:r>
-            <a:r>
-              <a:rPr lang="en-US" dirty="0" err="1" smtClean="0"/>
-              <a:t>App</a:t>
-            </a:r>
-            <a:r>
-              <a:rPr lang="en-US" dirty="0" smtClean="0"/>
-              <a:t> </a:t>
-            </a:r>
-            <a:r>
-              <a:rPr lang="en-US" dirty="0" smtClean="0"/>
-              <a:t>-&gt; App *</a:t>
+              <a:t>instApp</a:t>
+            </a:r>
+            <a:r>
+              <a:rPr lang="en-US" dirty="0" smtClean="0"/>
+              <a:t> -&gt; App *</a:t>
             </a:r>
           </a:p>
           <a:p>
@@ -6198,11 +6040,7 @@
           <a:p>
             <a:r>
               <a:rPr lang="en-US" dirty="0" smtClean="0"/>
-              <a:t>     [cost = 49.99 + </a:t>
-            </a:r>
-            <a:r>
-              <a:rPr lang="en-US" dirty="0" smtClean="0"/>
-              <a:t>sum(</a:t>
+              <a:t>     [cost = 49.99 + sum(</a:t>
             </a:r>
             <a:r>
               <a:rPr lang="en-US" dirty="0" err="1" smtClean="0"/>
@@ -6266,19 +6104,7 @@
             </a:r>
             <a:r>
               <a:rPr lang="en-US" dirty="0" smtClean="0"/>
-              <a:t>     </a:t>
-            </a:r>
-            <a:r>
-              <a:rPr lang="en-US" dirty="0" smtClean="0"/>
-              <a:t>inst</a:t>
-            </a:r>
-            <a:r>
-              <a:rPr lang="en-US" dirty="0" smtClean="0"/>
-              <a:t>App__</a:t>
-            </a:r>
-            <a:r>
-              <a:rPr lang="en-US" dirty="0" smtClean="0"/>
-              <a:t>0 -&gt; App__0</a:t>
+              <a:t>     instApp__0 -&gt; App__0</a:t>
             </a:r>
           </a:p>
           <a:p>
@@ -6356,33 +6182,13 @@
             </a:r>
             <a:r>
               <a:rPr lang="en-US" dirty="0" smtClean="0"/>
-              <a:t>     </a:t>
-            </a:r>
-            <a:r>
-              <a:rPr lang="en-US" dirty="0" smtClean="0"/>
-              <a:t>inst</a:t>
-            </a:r>
-            <a:r>
-              <a:rPr lang="en-US" dirty="0" smtClean="0"/>
-              <a:t>App__</a:t>
-            </a:r>
-            <a:r>
-              <a:rPr lang="en-US" dirty="0" smtClean="0"/>
-              <a:t>0 -&gt; App__0</a:t>
-            </a:r>
-          </a:p>
-          <a:p>
-            <a:r>
-              <a:rPr lang="en-US" dirty="0" smtClean="0"/>
-              <a:t>     </a:t>
-            </a:r>
-            <a:r>
-              <a:rPr lang="en-US" dirty="0" smtClean="0"/>
-              <a:t> instApp__</a:t>
-            </a:r>
-            <a:r>
-              <a:rPr lang="en-US" dirty="0" smtClean="0"/>
-              <a:t>1 -&gt; App__1</a:t>
+              <a:t>     instApp__0 -&gt; App__0</a:t>
+            </a:r>
+          </a:p>
+          <a:p>
+            <a:r>
+              <a:rPr lang="en-US" dirty="0" smtClean="0"/>
+              <a:t>      instApp__1 -&gt; App__1</a:t>
             </a:r>
           </a:p>
           <a:p>
@@ -7715,7 +7521,9 @@
         </p:nvSpPr>
         <p:spPr/>
         <p:txBody>
-          <a:bodyPr/>
+          <a:bodyPr>
+            <a:normAutofit lnSpcReduction="10000"/>
+          </a:bodyPr>
           <a:lstStyle/>
           <a:p>
             <a:r>
@@ -7728,8 +7536,32 @@
             </a:r>
             <a:r>
               <a:rPr lang="en-US" dirty="0" smtClean="0"/>
-              <a:t> is represented as a finite list of integers.</a:t>
-            </a:r>
+              <a:t> is represented as a finite list of integer variables.</a:t>
+            </a:r>
+          </a:p>
+          <a:p>
+            <a:pPr lvl="1"/>
+            <a:r>
+              <a:rPr lang="en-US" dirty="0" smtClean="0"/>
+              <a:t>Each variable corresponds to a </a:t>
+            </a:r>
+            <a:r>
+              <a:rPr lang="en-US" i="1" dirty="0" smtClean="0"/>
+              <a:t>potential </a:t>
+            </a:r>
+            <a:r>
+              <a:rPr lang="en-US" dirty="0" err="1" smtClean="0"/>
+              <a:t>clafer</a:t>
+            </a:r>
+            <a:r>
+              <a:rPr lang="en-US" dirty="0" smtClean="0"/>
+              <a:t> instance in the model.</a:t>
+            </a:r>
+            <a:r>
+              <a:rPr lang="en-US" i="1" dirty="0" smtClean="0"/>
+              <a:t> </a:t>
+            </a:r>
+            <a:endParaRPr lang="en-US" dirty="0" smtClean="0"/>
           </a:p>
           <a:p>
             <a:r>
@@ -7842,7 +7674,7 @@
             </a:r>
             <a:r>
               <a:rPr lang="en-US" dirty="0" smtClean="0"/>
-              <a:t> : real</a:t>
+              <a:t> -&gt; real</a:t>
             </a:r>
           </a:p>
           <a:p>
@@ -7879,11 +7711,7 @@
             </a:r>
             <a:r>
               <a:rPr lang="en-US" dirty="0" smtClean="0"/>
-              <a:t> </a:t>
-            </a:r>
-            <a:r>
-              <a:rPr lang="en-US" dirty="0" smtClean="0"/>
-              <a:t>-&gt; App *</a:t>
+              <a:t> -&gt; App *</a:t>
             </a:r>
           </a:p>
           <a:p>
@@ -7895,11 +7723,7 @@
           <a:p>
             <a:r>
               <a:rPr lang="en-US" dirty="0" smtClean="0"/>
-              <a:t>     [cost = 49.99 + </a:t>
-            </a:r>
-            <a:r>
-              <a:rPr lang="en-US" dirty="0" smtClean="0"/>
-              <a:t>sum(</a:t>
+              <a:t>     [cost = 49.99 + sum(</a:t>
             </a:r>
             <a:r>
               <a:rPr lang="en-US" dirty="0" err="1" smtClean="0"/>
@@ -8040,37 +7864,13 @@
           <a:p>
             <a:r>
               <a:rPr lang="en-US" dirty="0" smtClean="0"/>
-              <a:t>[instApp__</a:t>
-            </a:r>
-            <a:r>
-              <a:rPr lang="en-US" dirty="0" smtClean="0"/>
-              <a:t>0, </a:t>
-            </a:r>
-            <a:r>
-              <a:rPr lang="en-US" dirty="0" smtClean="0"/>
-              <a:t>instApp__</a:t>
-            </a:r>
-            <a:r>
-              <a:rPr lang="en-US" dirty="0" smtClean="0"/>
-              <a:t>1]</a:t>
-            </a:r>
-          </a:p>
-          <a:p>
-            <a:r>
-              <a:rPr lang="en-US" dirty="0" smtClean="0"/>
-              <a:t>[instApp_ref_0</a:t>
-            </a:r>
-            <a:r>
-              <a:rPr lang="en-US" dirty="0" smtClean="0"/>
-              <a:t>, </a:t>
-            </a:r>
-            <a:r>
-              <a:rPr lang="en-US" dirty="0" smtClean="0"/>
-              <a:t>instApp_ref_1</a:t>
-            </a:r>
-            <a:r>
-              <a:rPr lang="en-US" dirty="0" smtClean="0"/>
-              <a:t>]</a:t>
+              <a:t>[instApp__0, instApp__1]</a:t>
+            </a:r>
+          </a:p>
+          <a:p>
+            <a:r>
+              <a:rPr lang="en-US" dirty="0" smtClean="0"/>
+              <a:t>[instApp_ref_0, instApp_ref_1]</a:t>
             </a:r>
           </a:p>
           <a:p>
@@ -8461,8 +8261,8 @@
         </p:nvSpPr>
         <p:spPr>
           <a:xfrm>
-            <a:off x="4618954" y="2357893"/>
-            <a:ext cx="4126606" cy="4247317"/>
+            <a:off x="4618954" y="2320806"/>
+            <a:ext cx="4372646" cy="4524315"/>
           </a:xfrm>
           <a:prstGeom prst="rect">
             <a:avLst/>
@@ -8481,6 +8281,25 @@
           <a:lstStyle/>
           <a:p>
             <a:r>
+              <a:rPr lang="en-US" dirty="0" smtClean="0"/>
+              <a:t>Predefined </a:t>
+            </a:r>
+            <a:r>
+              <a:rPr lang="en-US" dirty="0" err="1" smtClean="0"/>
+              <a:t>ints</a:t>
+            </a:r>
+            <a:r>
+              <a:rPr lang="en-US" dirty="0" smtClean="0"/>
+              <a:t>: </a:t>
+            </a:r>
+            <a:r>
+              <a:rPr lang="en-US" i="1" dirty="0" smtClean="0"/>
+              <a:t>on, off</a:t>
+            </a:r>
+            <a:endParaRPr lang="en-US" dirty="0" smtClean="0"/>
+          </a:p>
+          <a:p>
+            <a:r>
               <a:rPr lang="en-US" b="1" dirty="0" smtClean="0"/>
               <a:t>//</a:t>
             </a:r>
@@ -8496,13 +8315,42 @@
           <a:p>
             <a:r>
               <a:rPr lang="en-US" dirty="0" smtClean="0"/>
-              <a:t>[App__0 = 0, App__1 = 1]</a:t>
-            </a:r>
-          </a:p>
-          <a:p>
-            <a:r>
-              <a:rPr lang="en-US" dirty="0" smtClean="0"/>
-              <a:t>[appCost__0  = 0, appCost__1 = 2]</a:t>
+              <a:t>[App__0 = </a:t>
+            </a:r>
+            <a:r>
+              <a:rPr lang="en-US" i="1" dirty="0" smtClean="0"/>
+              <a:t>on</a:t>
+            </a:r>
+            <a:r>
+              <a:rPr lang="en-US" dirty="0" smtClean="0"/>
+              <a:t>, </a:t>
+            </a:r>
+            <a:r>
+              <a:rPr lang="en-US" dirty="0" smtClean="0"/>
+              <a:t>App__1 = </a:t>
+            </a:r>
+            <a:r>
+              <a:rPr lang="en-US" i="1" dirty="0" smtClean="0"/>
+              <a:t>on</a:t>
+            </a:r>
+            <a:r>
+              <a:rPr lang="en-US" dirty="0" smtClean="0"/>
+              <a:t>]</a:t>
+            </a:r>
+            <a:endParaRPr lang="en-US" dirty="0" smtClean="0"/>
+          </a:p>
+          <a:p>
+            <a:r>
+              <a:rPr lang="en-US" dirty="0" smtClean="0"/>
+              <a:t>[appCost__0  = 0, appCost__1 = </a:t>
+            </a:r>
+            <a:r>
+              <a:rPr lang="en-US" dirty="0"/>
+              <a:t>1</a:t>
+            </a:r>
+            <a:r>
+              <a:rPr lang="en-US" dirty="0" smtClean="0"/>
+              <a:t>]</a:t>
             </a:r>
           </a:p>
           <a:p>
@@ -8517,7 +8365,7 @@
           <a:p>
             <a:r>
               <a:rPr lang="en-US" dirty="0" smtClean="0"/>
-              <a:t>[appCost_ref_0 = 2.99, appCost_ref_1 = 0]</a:t>
+              <a:t>[appCost_ref_0 = 2.99, appCost_ref_1 =0.99]</a:t>
             </a:r>
           </a:p>
           <a:p>
@@ -8541,43 +8389,44 @@
           <a:p>
             <a:r>
               <a:rPr lang="en-US" dirty="0" smtClean="0"/>
-              <a:t>[Phone__0 = 0]</a:t>
-            </a:r>
-          </a:p>
-          <a:p>
-            <a:r>
-              <a:rPr lang="en-US" dirty="0" smtClean="0"/>
-              <a:t>[instApp__</a:t>
-            </a:r>
-            <a:r>
-              <a:rPr lang="en-US" dirty="0" smtClean="0"/>
-              <a:t>0 = 0, </a:t>
-            </a:r>
-            <a:r>
-              <a:rPr lang="en-US" dirty="0" smtClean="0"/>
-              <a:t>instApp__</a:t>
-            </a:r>
-            <a:r>
-              <a:rPr lang="en-US" dirty="0" smtClean="0"/>
-              <a:t>1 = 1]</a:t>
-            </a:r>
-          </a:p>
-          <a:p>
-            <a:r>
-              <a:rPr lang="en-US" dirty="0" smtClean="0"/>
-              <a:t>[instApp_ref_0 </a:t>
-            </a:r>
-            <a:r>
-              <a:rPr lang="en-US" dirty="0" smtClean="0"/>
-              <a:t>= 0, </a:t>
-            </a:r>
-            <a:r>
-              <a:rPr lang="en-US" dirty="0" smtClean="0"/>
-              <a:t>instApp_ref_1 </a:t>
-            </a:r>
-            <a:r>
-              <a:rPr lang="en-US" dirty="0" smtClean="0"/>
-              <a:t>= 2]</a:t>
+              <a:t>[Phone__0 = </a:t>
+            </a:r>
+            <a:r>
+              <a:rPr lang="en-US" i="1" dirty="0" smtClean="0"/>
+              <a:t>on</a:t>
+            </a:r>
+            <a:r>
+              <a:rPr lang="en-US" dirty="0" smtClean="0"/>
+              <a:t>]</a:t>
+            </a:r>
+            <a:endParaRPr lang="en-US" dirty="0" smtClean="0"/>
+          </a:p>
+          <a:p>
+            <a:r>
+              <a:rPr lang="en-US" dirty="0" smtClean="0"/>
+              <a:t>[instApp__0 = 0, instApp__1 = </a:t>
+            </a:r>
+            <a:r>
+              <a:rPr lang="en-US" i="1" dirty="0" smtClean="0"/>
+              <a:t>off</a:t>
+            </a:r>
+            <a:r>
+              <a:rPr lang="en-US" dirty="0" smtClean="0"/>
+              <a:t>]</a:t>
+            </a:r>
+          </a:p>
+          <a:p>
+            <a:r>
+              <a:rPr lang="en-US" dirty="0" smtClean="0"/>
+              <a:t>[instApp_ref_0 = 1, instApp_ref_1 = </a:t>
+            </a:r>
+            <a:r>
+              <a:rPr lang="en-US" i="1" dirty="0" smtClean="0"/>
+              <a:t>off</a:t>
+            </a:r>
+            <a:r>
+              <a:rPr lang="en-US" dirty="0" smtClean="0"/>
+              <a:t>]</a:t>
             </a:r>
           </a:p>
           <a:p>
@@ -8598,7 +8447,7 @@
           <a:p>
             <a:r>
               <a:rPr lang="en-US" dirty="0" smtClean="0"/>
-              <a:t>[cost_ref_0 = 52.98]</a:t>
+              <a:t>[cost_ref_0 = 50.98]</a:t>
             </a:r>
           </a:p>
         </p:txBody>
@@ -8613,7 +8462,12 @@
             <p:ph type="title"/>
           </p:nvPr>
         </p:nvSpPr>
-        <p:spPr/>
+        <p:spPr>
+          <a:xfrm>
+            <a:off x="304800" y="274638"/>
+            <a:ext cx="8534400" cy="1143000"/>
+          </a:xfrm>
+        </p:spPr>
         <p:txBody>
           <a:bodyPr>
             <a:normAutofit fontScale="90000"/>
@@ -8622,7 +8476,7 @@
           <a:p>
             <a:r>
               <a:rPr lang="en-US" dirty="0" smtClean="0"/>
-              <a:t>Mapping of Z3 Output to </a:t>
+              <a:t>Interpreting Z3 Output as a </a:t>
             </a:r>
             <a:r>
               <a:rPr lang="en-US" dirty="0" err="1" smtClean="0"/>
@@ -8704,7 +8558,7 @@
         </p:nvSpPr>
         <p:spPr>
           <a:xfrm>
-            <a:off x="1203100" y="4744859"/>
+            <a:off x="1179489" y="4401800"/>
             <a:ext cx="1752600" cy="369332"/>
           </a:xfrm>
           <a:prstGeom prst="rect">
@@ -8734,8 +8588,8 @@
         </p:nvSpPr>
         <p:spPr>
           <a:xfrm>
-            <a:off x="764950" y="5196006"/>
-            <a:ext cx="2628900" cy="1477328"/>
+            <a:off x="764950" y="4789831"/>
+            <a:ext cx="2628900" cy="2031325"/>
           </a:xfrm>
           <a:prstGeom prst="rect">
             <a:avLst/>
@@ -8761,8 +8615,29 @@
           <a:p>
             <a:r>
               <a:rPr lang="en-US" dirty="0"/>
-              <a:t>      appCost__0 = 2.99</a:t>
-            </a:r>
+              <a:t>      appCost__0 = </a:t>
+            </a:r>
+            <a:r>
+              <a:rPr lang="en-US" dirty="0" smtClean="0"/>
+              <a:t>2.99</a:t>
+            </a:r>
+          </a:p>
+          <a:p>
+            <a:r>
+              <a:rPr lang="en-US" dirty="0" smtClean="0"/>
+              <a:t>App__1</a:t>
+            </a:r>
+          </a:p>
+          <a:p>
+            <a:r>
+              <a:rPr lang="en-US" dirty="0"/>
+              <a:t> </a:t>
+            </a:r>
+            <a:r>
+              <a:rPr lang="en-US" dirty="0" smtClean="0"/>
+              <a:t>     appCost__1 = 0.99</a:t>
+            </a:r>
+            <a:endParaRPr lang="en-US" dirty="0"/>
           </a:p>
           <a:p>
             <a:r>
@@ -8781,14 +8656,28 @@
             </a:r>
             <a:r>
               <a:rPr lang="en-US" dirty="0"/>
-              <a:t>0 -&gt; App__0</a:t>
-            </a:r>
-          </a:p>
-          <a:p>
+              <a:t>0 -&gt; App</a:t>
+            </a:r>
+            <a:r>
+              <a:rPr lang="en-US" dirty="0" smtClean="0"/>
+              <a:t>__</a:t>
+            </a:r>
             <a:r>
               <a:rPr lang="en-US" dirty="0"/>
-              <a:t>      cost__0 = 52.98</a:t>
-            </a:r>
+              <a:t>1</a:t>
+            </a:r>
+            <a:endParaRPr lang="en-US" dirty="0" smtClean="0"/>
+          </a:p>
+          <a:p>
+            <a:r>
+              <a:rPr lang="en-US" dirty="0"/>
+              <a:t> </a:t>
+            </a:r>
+            <a:r>
+              <a:rPr lang="en-US" dirty="0" smtClean="0"/>
+              <a:t>     cost__0 = 50.98</a:t>
+            </a:r>
+            <a:endParaRPr lang="en-US" dirty="0"/>
           </a:p>
         </p:txBody>
       </p:sp>
@@ -8835,7 +8724,7 @@
             </a:r>
             <a:r>
               <a:rPr lang="en-US" dirty="0" smtClean="0"/>
-              <a:t> : real</a:t>
+              <a:t> -&gt; real</a:t>
             </a:r>
           </a:p>
           <a:p>
@@ -8870,11 +8759,7 @@
             </a:r>
             <a:r>
               <a:rPr lang="en-US" dirty="0" smtClean="0"/>
-              <a:t> </a:t>
-            </a:r>
-            <a:r>
-              <a:rPr lang="en-US" dirty="0" smtClean="0"/>
-              <a:t>-&gt; App *</a:t>
+              <a:t> -&gt; App *</a:t>
             </a:r>
           </a:p>
           <a:p>
@@ -8886,11 +8771,7 @@
           <a:p>
             <a:r>
               <a:rPr lang="en-US" dirty="0" smtClean="0"/>
-              <a:t>     [cost = 49.99 + </a:t>
-            </a:r>
-            <a:r>
-              <a:rPr lang="en-US" dirty="0" smtClean="0"/>
-              <a:t>sum(</a:t>
+              <a:t>     [cost = 49.99 + sum(</a:t>
             </a:r>
             <a:r>
               <a:rPr lang="en-US" dirty="0" err="1" smtClean="0"/>
@@ -8979,7 +8860,7 @@
                                         <p:tgtEl>
                                           <p:spTgt spid="3">
                                             <p:txEl>
-                                              <p:pRg st="1" end="1"/>
+                                              <p:pRg st="2" end="2"/>
                                             </p:txEl>
                                           </p:spTgt>
                                         </p:tgtEl>
@@ -9025,39 +8906,21 @@
                                   </p:childTnLst>
                                 </p:cTn>
                               </p:par>
-                            </p:childTnLst>
-                          </p:cTn>
-                        </p:par>
-                      </p:childTnLst>
-                    </p:cTn>
-                  </p:par>
-                  <p:par>
-                    <p:cTn id="9" fill="hold">
-                      <p:stCondLst>
-                        <p:cond delay="indefinite"/>
-                      </p:stCondLst>
-                      <p:childTnLst>
-                        <p:par>
-                          <p:cTn id="10" fill="hold">
-                            <p:stCondLst>
-                              <p:cond delay="0"/>
-                            </p:stCondLst>
-                            <p:childTnLst>
                               <p:par>
-                                <p:cTn id="11" presetID="1" presetClass="entr" presetSubtype="0" fill="hold" nodeType="clickEffect">
+                                <p:cTn id="9" presetID="1" presetClass="entr" presetSubtype="0" fill="hold" nodeType="withEffect">
                                   <p:stCondLst>
                                     <p:cond delay="0"/>
                                   </p:stCondLst>
                                   <p:childTnLst>
                                     <p:set>
                                       <p:cBhvr>
-                                        <p:cTn id="12" dur="1" fill="hold">
+                                        <p:cTn id="10" dur="1" fill="hold">
                                           <p:stCondLst>
                                             <p:cond delay="0"/>
                                           </p:stCondLst>
                                         </p:cTn>
                                         <p:tgtEl>
-                                          <p:spTgt spid="3">
+                                          <p:spTgt spid="10">
                                             <p:txEl>
                                               <p:pRg st="2" end="2"/>
                                             </p:txEl>
@@ -9074,8 +8937,26 @@
                                   </p:childTnLst>
                                 </p:cTn>
                               </p:par>
+                            </p:childTnLst>
+                          </p:cTn>
+                        </p:par>
+                      </p:childTnLst>
+                    </p:cTn>
+                  </p:par>
+                  <p:par>
+                    <p:cTn id="11" fill="hold">
+                      <p:stCondLst>
+                        <p:cond delay="indefinite"/>
+                      </p:stCondLst>
+                      <p:childTnLst>
+                        <p:par>
+                          <p:cTn id="12" fill="hold">
+                            <p:stCondLst>
+                              <p:cond delay="0"/>
+                            </p:stCondLst>
+                            <p:childTnLst>
                               <p:par>
-                                <p:cTn id="13" presetID="1" presetClass="entr" presetSubtype="0" fill="hold" nodeType="withEffect">
+                                <p:cTn id="13" presetID="1" presetClass="entr" presetSubtype="0" fill="hold" nodeType="clickEffect">
                                   <p:stCondLst>
                                     <p:cond delay="0"/>
                                   </p:stCondLst>
@@ -9083,6 +8964,37 @@
                                     <p:set>
                                       <p:cBhvr>
                                         <p:cTn id="14" dur="1" fill="hold">
+                                          <p:stCondLst>
+                                            <p:cond delay="0"/>
+                                          </p:stCondLst>
+                                        </p:cTn>
+                                        <p:tgtEl>
+                                          <p:spTgt spid="3">
+                                            <p:txEl>
+                                              <p:pRg st="3" end="3"/>
+                                            </p:txEl>
+                                          </p:spTgt>
+                                        </p:tgtEl>
+                                        <p:attrNameLst>
+                                          <p:attrName>style.visibility</p:attrName>
+                                        </p:attrNameLst>
+                                      </p:cBhvr>
+                                      <p:to>
+                                        <p:strVal val="visible"/>
+                                      </p:to>
+                                    </p:set>
+                                  </p:childTnLst>
+                                </p:cTn>
+                              </p:par>
+                              <p:par>
+                                <p:cTn id="15" presetID="1" presetClass="entr" presetSubtype="0" fill="hold" nodeType="withEffect">
+                                  <p:stCondLst>
+                                    <p:cond delay="0"/>
+                                  </p:stCondLst>
+                                  <p:childTnLst>
+                                    <p:set>
+                                      <p:cBhvr>
+                                        <p:cTn id="16" dur="1" fill="hold">
                                           <p:stCondLst>
                                             <p:cond delay="0"/>
                                           </p:stCondLst>
@@ -9105,26 +9017,8 @@
                                   </p:childTnLst>
                                 </p:cTn>
                               </p:par>
-                            </p:childTnLst>
-                          </p:cTn>
-                        </p:par>
-                      </p:childTnLst>
-                    </p:cTn>
-                  </p:par>
-                  <p:par>
-                    <p:cTn id="15" fill="hold">
-                      <p:stCondLst>
-                        <p:cond delay="indefinite"/>
-                      </p:stCondLst>
-                      <p:childTnLst>
-                        <p:par>
-                          <p:cTn id="16" fill="hold">
-                            <p:stCondLst>
-                              <p:cond delay="0"/>
-                            </p:stCondLst>
-                            <p:childTnLst>
                               <p:par>
-                                <p:cTn id="17" presetID="1" presetClass="entr" presetSubtype="0" fill="hold" nodeType="clickEffect">
+                                <p:cTn id="17" presetID="1" presetClass="entr" presetSubtype="0" fill="hold" nodeType="withEffect">
                                   <p:stCondLst>
                                     <p:cond delay="0"/>
                                   </p:stCondLst>
@@ -9137,9 +9031,9 @@
                                           </p:stCondLst>
                                         </p:cTn>
                                         <p:tgtEl>
-                                          <p:spTgt spid="3">
+                                          <p:spTgt spid="10">
                                             <p:txEl>
-                                              <p:pRg st="5" end="5"/>
+                                              <p:pRg st="3" end="3"/>
                                             </p:txEl>
                                           </p:spTgt>
                                         </p:tgtEl>
@@ -9188,38 +9082,7 @@
                                         <p:tgtEl>
                                           <p:spTgt spid="3">
                                             <p:txEl>
-                                              <p:pRg st="8" end="8"/>
-                                            </p:txEl>
-                                          </p:spTgt>
-                                        </p:tgtEl>
-                                        <p:attrNameLst>
-                                          <p:attrName>style.visibility</p:attrName>
-                                        </p:attrNameLst>
-                                      </p:cBhvr>
-                                      <p:to>
-                                        <p:strVal val="visible"/>
-                                      </p:to>
-                                    </p:set>
-                                  </p:childTnLst>
-                                </p:cTn>
-                              </p:par>
-                              <p:par>
-                                <p:cTn id="23" presetID="1" presetClass="entr" presetSubtype="0" fill="hold" nodeType="withEffect">
-                                  <p:stCondLst>
-                                    <p:cond delay="0"/>
-                                  </p:stCondLst>
-                                  <p:childTnLst>
-                                    <p:set>
-                                      <p:cBhvr>
-                                        <p:cTn id="24" dur="1" fill="hold">
-                                          <p:stCondLst>
-                                            <p:cond delay="0"/>
-                                          </p:stCondLst>
-                                        </p:cTn>
-                                        <p:tgtEl>
-                                          <p:spTgt spid="10">
-                                            <p:txEl>
-                                              <p:pRg st="2" end="2"/>
+                                              <p:pRg st="6" end="6"/>
                                             </p:txEl>
                                           </p:spTgt>
                                         </p:tgtEl>
@@ -9241,26 +9104,26 @@
                     </p:cTn>
                   </p:par>
                   <p:par>
-                    <p:cTn id="25" fill="hold">
+                    <p:cTn id="23" fill="hold">
                       <p:stCondLst>
                         <p:cond delay="indefinite"/>
                       </p:stCondLst>
                       <p:childTnLst>
                         <p:par>
-                          <p:cTn id="26" fill="hold">
+                          <p:cTn id="24" fill="hold">
                             <p:stCondLst>
                               <p:cond delay="0"/>
                             </p:stCondLst>
                             <p:childTnLst>
                               <p:par>
-                                <p:cTn id="27" presetID="1" presetClass="entr" presetSubtype="0" fill="hold" nodeType="clickEffect">
+                                <p:cTn id="25" presetID="1" presetClass="entr" presetSubtype="0" fill="hold" nodeType="clickEffect">
                                   <p:stCondLst>
                                     <p:cond delay="0"/>
                                   </p:stCondLst>
                                   <p:childTnLst>
                                     <p:set>
                                       <p:cBhvr>
-                                        <p:cTn id="28" dur="1" fill="hold">
+                                        <p:cTn id="26" dur="1" fill="hold">
                                           <p:stCondLst>
                                             <p:cond delay="0"/>
                                           </p:stCondLst>
@@ -9284,14 +9147,63 @@
                                 </p:cTn>
                               </p:par>
                               <p:par>
-                                <p:cTn id="29" presetID="1" presetClass="entr" presetSubtype="0" fill="hold" nodeType="withEffect">
+                                <p:cTn id="27" presetID="1" presetClass="entr" presetSubtype="0" fill="hold" nodeType="withEffect">
                                   <p:stCondLst>
                                     <p:cond delay="0"/>
                                   </p:stCondLst>
                                   <p:childTnLst>
                                     <p:set>
                                       <p:cBhvr>
-                                        <p:cTn id="30" dur="1" fill="hold">
+                                        <p:cTn id="28" dur="1" fill="hold">
+                                          <p:stCondLst>
+                                            <p:cond delay="0"/>
+                                          </p:stCondLst>
+                                        </p:cTn>
+                                        <p:tgtEl>
+                                          <p:spTgt spid="10">
+                                            <p:txEl>
+                                              <p:pRg st="4" end="4"/>
+                                            </p:txEl>
+                                          </p:spTgt>
+                                        </p:tgtEl>
+                                        <p:attrNameLst>
+                                          <p:attrName>style.visibility</p:attrName>
+                                        </p:attrNameLst>
+                                      </p:cBhvr>
+                                      <p:to>
+                                        <p:strVal val="visible"/>
+                                      </p:to>
+                                    </p:set>
+                                  </p:childTnLst>
+                                </p:cTn>
+                              </p:par>
+                            </p:childTnLst>
+                          </p:cTn>
+                        </p:par>
+                      </p:childTnLst>
+                    </p:cTn>
+                  </p:par>
+                  <p:par>
+                    <p:cTn id="29" fill="hold">
+                      <p:stCondLst>
+                        <p:cond delay="indefinite"/>
+                      </p:stCondLst>
+                      <p:childTnLst>
+                        <p:par>
+                          <p:cTn id="30" fill="hold">
+                            <p:stCondLst>
+                              <p:cond delay="0"/>
+                            </p:stCondLst>
+                            <p:childTnLst>
+                              <p:par>
+                                <p:cTn id="31" presetID="1" presetClass="entr" presetSubtype="0" fill="hold" nodeType="clickEffect">
+                                  <p:stCondLst>
+                                    <p:cond delay="0"/>
+                                  </p:stCondLst>
+                                  <p:childTnLst>
+                                    <p:set>
+                                      <p:cBhvr>
+                                        <p:cTn id="32" dur="1" fill="hold">
                                           <p:stCondLst>
                                             <p:cond delay="0"/>
                                           </p:stCondLst>
@@ -9315,63 +9227,14 @@
                                 </p:cTn>
                               </p:par>
                               <p:par>
-                                <p:cTn id="31" presetID="1" presetClass="entr" presetSubtype="0" fill="hold" nodeType="withEffect">
+                                <p:cTn id="33" presetID="1" presetClass="entr" presetSubtype="0" fill="hold" nodeType="withEffect">
                                   <p:stCondLst>
                                     <p:cond delay="0"/>
                                   </p:stCondLst>
                                   <p:childTnLst>
                                     <p:set>
                                       <p:cBhvr>
-                                        <p:cTn id="32" dur="1" fill="hold">
-                                          <p:stCondLst>
-                                            <p:cond delay="0"/>
-                                          </p:stCondLst>
-                                        </p:cTn>
-                                        <p:tgtEl>
-                                          <p:spTgt spid="10">
-                                            <p:txEl>
-                                              <p:pRg st="3" end="3"/>
-                                            </p:txEl>
-                                          </p:spTgt>
-                                        </p:tgtEl>
-                                        <p:attrNameLst>
-                                          <p:attrName>style.visibility</p:attrName>
-                                        </p:attrNameLst>
-                                      </p:cBhvr>
-                                      <p:to>
-                                        <p:strVal val="visible"/>
-                                      </p:to>
-                                    </p:set>
-                                  </p:childTnLst>
-                                </p:cTn>
-                              </p:par>
-                            </p:childTnLst>
-                          </p:cTn>
-                        </p:par>
-                      </p:childTnLst>
-                    </p:cTn>
-                  </p:par>
-                  <p:par>
-                    <p:cTn id="33" fill="hold">
-                      <p:stCondLst>
-                        <p:cond delay="indefinite"/>
-                      </p:stCondLst>
-                      <p:childTnLst>
-                        <p:par>
-                          <p:cTn id="34" fill="hold">
-                            <p:stCondLst>
-                              <p:cond delay="0"/>
-                            </p:stCondLst>
-                            <p:childTnLst>
-                              <p:par>
-                                <p:cTn id="35" presetID="1" presetClass="entr" presetSubtype="0" fill="hold" nodeType="clickEffect">
-                                  <p:stCondLst>
-                                    <p:cond delay="0"/>
-                                  </p:stCondLst>
-                                  <p:childTnLst>
-                                    <p:set>
-                                      <p:cBhvr>
-                                        <p:cTn id="36" dur="1" fill="hold">
+                                        <p:cTn id="34" dur="1" fill="hold">
                                           <p:stCondLst>
                                             <p:cond delay="0"/>
                                           </p:stCondLst>
@@ -9395,14 +9258,63 @@
                                 </p:cTn>
                               </p:par>
                               <p:par>
-                                <p:cTn id="37" presetID="1" presetClass="entr" presetSubtype="0" fill="hold" nodeType="withEffect">
+                                <p:cTn id="35" presetID="1" presetClass="entr" presetSubtype="0" fill="hold" nodeType="withEffect">
                                   <p:stCondLst>
                                     <p:cond delay="0"/>
                                   </p:stCondLst>
                                   <p:childTnLst>
                                     <p:set>
                                       <p:cBhvr>
-                                        <p:cTn id="38" dur="1" fill="hold">
+                                        <p:cTn id="36" dur="1" fill="hold">
+                                          <p:stCondLst>
+                                            <p:cond delay="0"/>
+                                          </p:stCondLst>
+                                        </p:cTn>
+                                        <p:tgtEl>
+                                          <p:spTgt spid="10">
+                                            <p:txEl>
+                                              <p:pRg st="5" end="5"/>
+                                            </p:txEl>
+                                          </p:spTgt>
+                                        </p:tgtEl>
+                                        <p:attrNameLst>
+                                          <p:attrName>style.visibility</p:attrName>
+                                        </p:attrNameLst>
+                                      </p:cBhvr>
+                                      <p:to>
+                                        <p:strVal val="visible"/>
+                                      </p:to>
+                                    </p:set>
+                                  </p:childTnLst>
+                                </p:cTn>
+                              </p:par>
+                            </p:childTnLst>
+                          </p:cTn>
+                        </p:par>
+                      </p:childTnLst>
+                    </p:cTn>
+                  </p:par>
+                  <p:par>
+                    <p:cTn id="37" fill="hold">
+                      <p:stCondLst>
+                        <p:cond delay="indefinite"/>
+                      </p:stCondLst>
+                      <p:childTnLst>
+                        <p:par>
+                          <p:cTn id="38" fill="hold">
+                            <p:stCondLst>
+                              <p:cond delay="0"/>
+                            </p:stCondLst>
+                            <p:childTnLst>
+                              <p:par>
+                                <p:cTn id="39" presetID="1" presetClass="entr" presetSubtype="0" fill="hold" nodeType="clickEffect">
+                                  <p:stCondLst>
+                                    <p:cond delay="0"/>
+                                  </p:stCondLst>
+                                  <p:childTnLst>
+                                    <p:set>
+                                      <p:cBhvr>
+                                        <p:cTn id="40" dur="1" fill="hold">
                                           <p:stCondLst>
                                             <p:cond delay="0"/>
                                           </p:stCondLst>
@@ -9410,7 +9322,7 @@
                                         <p:tgtEl>
                                           <p:spTgt spid="3">
                                             <p:txEl>
-                                              <p:pRg st="14" end="14"/>
+                                              <p:pRg st="12" end="12"/>
                                             </p:txEl>
                                           </p:spTgt>
                                         </p:tgtEl>
@@ -9426,14 +9338,45 @@
                                 </p:cTn>
                               </p:par>
                               <p:par>
-                                <p:cTn id="39" presetID="1" presetClass="entr" presetSubtype="0" fill="hold" nodeType="withEffect">
+                                <p:cTn id="41" presetID="1" presetClass="entr" presetSubtype="0" fill="hold" nodeType="withEffect">
                                   <p:stCondLst>
                                     <p:cond delay="0"/>
                                   </p:stCondLst>
                                   <p:childTnLst>
                                     <p:set>
                                       <p:cBhvr>
-                                        <p:cTn id="40" dur="1" fill="hold">
+                                        <p:cTn id="42" dur="1" fill="hold">
+                                          <p:stCondLst>
+                                            <p:cond delay="0"/>
+                                          </p:stCondLst>
+                                        </p:cTn>
+                                        <p:tgtEl>
+                                          <p:spTgt spid="3">
+                                            <p:txEl>
+                                              <p:pRg st="15" end="15"/>
+                                            </p:txEl>
+                                          </p:spTgt>
+                                        </p:tgtEl>
+                                        <p:attrNameLst>
+                                          <p:attrName>style.visibility</p:attrName>
+                                        </p:attrNameLst>
+                                      </p:cBhvr>
+                                      <p:to>
+                                        <p:strVal val="visible"/>
+                                      </p:to>
+                                    </p:set>
+                                  </p:childTnLst>
+                                </p:cTn>
+                              </p:par>
+                              <p:par>
+                                <p:cTn id="43" presetID="1" presetClass="entr" presetSubtype="0" fill="hold" nodeType="withEffect">
+                                  <p:stCondLst>
+                                    <p:cond delay="0"/>
+                                  </p:stCondLst>
+                                  <p:childTnLst>
+                                    <p:set>
+                                      <p:cBhvr>
+                                        <p:cTn id="44" dur="1" fill="hold">
                                           <p:stCondLst>
                                             <p:cond delay="0"/>
                                           </p:stCondLst>
@@ -9441,7 +9384,7 @@
                                         <p:tgtEl>
                                           <p:spTgt spid="10">
                                             <p:txEl>
-                                              <p:pRg st="4" end="4"/>
+                                              <p:pRg st="6" end="6"/>
                                             </p:txEl>
                                           </p:spTgt>
                                         </p:tgtEl>
